--- a/presentation/Data_Science_Portfolio_Lessa_Fleming_2024.pptx
+++ b/presentation/Data_Science_Portfolio_Lessa_Fleming_2024.pptx
@@ -207,7 +207,7 @@
           <a:p>
             <a:fld id="{EF0F579E-A334-405F-B81C-F0AA7397E7AE}" type="datetimeFigureOut">
               <a:rPr lang="en-US" smtClean="0"/>
-              <a:t>3/8/2024</a:t>
+              <a:t>3/10/2024</a:t>
             </a:fld>
             <a:endParaRPr lang="en-US"/>
           </a:p>
@@ -853,9 +853,25 @@
           <a:bodyPr/>
           <a:lstStyle/>
           <a:p>
+            <a:pPr marL="0" marR="0">
+              <a:lnSpc>
+                <a:spcPct val="107000"/>
+              </a:lnSpc>
+              <a:spcBef>
+                <a:spcPts val="0"/>
+              </a:spcBef>
+              <a:spcAft>
+                <a:spcPts val="800"/>
+              </a:spcAft>
+            </a:pPr>
             <a:r>
-              <a:rPr lang="en-US" dirty="0"/>
-              <a:t>In this presentation, we will be covering the learning objectives for the Masters of Applied Data Science program. We will review the projects that I have completed in this program and their business applications. </a:t>
+              <a:rPr lang="en-US" sz="1800" kern="100" dirty="0">
+                <a:effectLst/>
+                <a:latin typeface="Aptos" panose="020B0004020202020204" pitchFamily="34" charset="0"/>
+                <a:ea typeface="Aptos" panose="020B0004020202020204" pitchFamily="34" charset="0"/>
+                <a:cs typeface="Times New Roman" panose="02020603050405020304" pitchFamily="18" charset="0"/>
+              </a:rPr>
+              <a:t>In this presentation, we will cover the learning objectives for the Masters of Applied Data Science program. We will review the projects I have completed in this program and their business applications and how these specific projects met my learning goals. </a:t>
             </a:r>
           </a:p>
         </p:txBody>
@@ -940,9 +956,25 @@
           <a:bodyPr/>
           <a:lstStyle/>
           <a:p>
+            <a:pPr marL="0" marR="0">
+              <a:lnSpc>
+                <a:spcPct val="107000"/>
+              </a:lnSpc>
+              <a:spcBef>
+                <a:spcPts val="0"/>
+              </a:spcBef>
+              <a:spcAft>
+                <a:spcPts val="800"/>
+              </a:spcAft>
+            </a:pPr>
             <a:r>
-              <a:rPr lang="en-US" dirty="0"/>
-              <a:t>My name is Lessa Fleming, I was born in Syracuse NY, and lived there up until 3 years ago when I moved to South Carolina. I currently have an associates in paralegal studies and a bachelor’s in computer science from Rasmussen University. I started my journey with plans to become a lawyer when I realized my passion for data and analytics while obtaining my Computer Science degree. This led me to SU to pursue my master’s in Applied Data Science. I continued to pursue this passion by moving into a technical analyst role, and now a senior claims business process consultant working in Oracle.. </a:t>
+              <a:rPr lang="en-US" sz="1800" kern="100" dirty="0">
+                <a:effectLst/>
+                <a:latin typeface="Aptos" panose="020B0004020202020204" pitchFamily="34" charset="0"/>
+                <a:ea typeface="Aptos" panose="020B0004020202020204" pitchFamily="34" charset="0"/>
+                <a:cs typeface="Times New Roman" panose="02020603050405020304" pitchFamily="18" charset="0"/>
+              </a:rPr>
+              <a:t>My name is Lessa Fleming, I was born in Syracuse NY, and lived there until 3 years ago when I moved to South Carolina and started a small hobby farm. I currently have an associate in paralegal studies and a bachelor’s in computer science from Rasmussen University. I started my journey with plans to become a lawyer when I realized my passion for data and analytics while obtaining my Computer Science degree. This led me to SU to pursue my master’s in applied data science. I continued to pursue this passion by moving into a technical analyst role, and now a senior claims business process consultant working in Oracle.</a:t>
             </a:r>
           </a:p>
         </p:txBody>
@@ -1320,28 +1352,22 @@
           <a:bodyPr/>
           <a:lstStyle/>
           <a:p>
-            <a:pPr marL="0" marR="0" lvl="0" indent="0" algn="l" defTabSz="914400" rtl="0" eaLnBrk="1" fontAlgn="auto" latinLnBrk="0" hangingPunct="1">
+            <a:pPr marL="0" marR="0">
               <a:lnSpc>
-                <a:spcPct val="100000"/>
+                <a:spcPct val="107000"/>
               </a:lnSpc>
               <a:spcBef>
                 <a:spcPts val="0"/>
               </a:spcBef>
               <a:spcAft>
-                <a:spcPts val="0"/>
+                <a:spcPts val="800"/>
               </a:spcAft>
-              <a:buClrTx/>
-              <a:buSzTx/>
-              <a:buFontTx/>
-              <a:buNone/>
-              <a:tabLst/>
-              <a:defRPr/>
             </a:pPr>
             <a:r>
               <a:rPr lang="en-US" sz="1800" kern="100" dirty="0">
                 <a:effectLst/>
-                <a:latin typeface="Calibri" panose="020F0502020204030204" pitchFamily="34" charset="0"/>
-                <a:ea typeface="Calibri" panose="020F0502020204030204" pitchFamily="34" charset="0"/>
+                <a:latin typeface="Aptos" panose="020B0004020202020204" pitchFamily="34" charset="0"/>
+                <a:ea typeface="Aptos" panose="020B0004020202020204" pitchFamily="34" charset="0"/>
                 <a:cs typeface="Times New Roman" panose="02020603050405020304" pitchFamily="18" charset="0"/>
               </a:rPr>
               <a:t>This project centered on analyzing two Airbnb datasets from Kaggle, this project met my learning requirements in several key aspects. Beginning with data handling and management, I was able to efficiently process the datasets, distinguishing between the AB_US and Combined Europe datasets and managing their large size by creating a sampled version for analysis. Utilizing </a:t>
@@ -1349,8 +1375,8 @@
             <a:r>
               <a:rPr lang="en-US" sz="1800" kern="100" dirty="0" err="1">
                 <a:effectLst/>
-                <a:latin typeface="Calibri" panose="020F0502020204030204" pitchFamily="34" charset="0"/>
-                <a:ea typeface="Calibri" panose="020F0502020204030204" pitchFamily="34" charset="0"/>
+                <a:latin typeface="Aptos" panose="020B0004020202020204" pitchFamily="34" charset="0"/>
+                <a:ea typeface="Aptos" panose="020B0004020202020204" pitchFamily="34" charset="0"/>
                 <a:cs typeface="Times New Roman" panose="02020603050405020304" pitchFamily="18" charset="0"/>
               </a:rPr>
               <a:t>Jupyter</a:t>
@@ -1358,11 +1384,11 @@
             <a:r>
               <a:rPr lang="en-US" sz="1800" kern="100" dirty="0">
                 <a:effectLst/>
-                <a:latin typeface="Calibri" panose="020F0502020204030204" pitchFamily="34" charset="0"/>
-                <a:ea typeface="Calibri" panose="020F0502020204030204" pitchFamily="34" charset="0"/>
+                <a:latin typeface="Aptos" panose="020B0004020202020204" pitchFamily="34" charset="0"/>
+                <a:ea typeface="Aptos" panose="020B0004020202020204" pitchFamily="34" charset="0"/>
                 <a:cs typeface="Times New Roman" panose="02020603050405020304" pitchFamily="18" charset="0"/>
               </a:rPr>
-              <a:t> notebooks, I organized the data into separate data frames for analysis. Through data cleaning and manipulation, I ensured that only relevant columns were retained and appropriately renamed for clarity, exemplifying proficiency in data preprocessing. Employing descriptive statistics, scatter plots, correlation analysis, and pivot tables, I explored the relationships between variables such as price, location, and customer satisfaction, demonstrating a comprehensive understanding and application of visualization and analytical techniques. Furthermore, I effectively communicated the project findings and insights, drawing conclusions about Airbnb rental trends in different geographical contexts, such as the impact of location proximity to metro stations on rental types in Europe and the influence of city, availability, and price on rental bookings and customer satisfaction. Overall, this project showcases the data science principles and techniques, aligning closely with the learning requirements and showcasing my ability to derive actionable insights from complex datasets.</a:t>
+              <a:t> notebooks, I organized the data into separate data frames for analysis. Through data cleaning and manipulation, I ensured that only relevant columns were retained and appropriately renamed for clarity, exemplifying proficiency in data preprocessing. Employing descriptive statistics, scatter plots, correlation analysis, and pivot tables, I explored the relationships between variables such as price, location, and customer satisfaction, demonstrating a comprehensive understanding and application of visualization and analytical techniques. Furthermore, I effectively communicated the project findings and insights, concluding Airbnb rental trends in different geographical contexts, such as the impact of location proximity to metro stations on rental types in Europe and the influence of city, availability, and price on rental bookings and customer satisfaction. Overall, this project showcases the data science principles and techniques, aligning closely with the learning requirements and showcasing my ability to derive actionable insights from complex datasets.</a:t>
             </a:r>
           </a:p>
           <a:p>
@@ -1774,7 +1800,7 @@
           <a:p>
             <a:fld id="{DC4C5412-FA81-4E63-8A72-237CF1BF03B2}" type="datetimeFigureOut">
               <a:rPr lang="en-US" smtClean="0"/>
-              <a:t>3/8/2024</a:t>
+              <a:t>3/10/2024</a:t>
             </a:fld>
             <a:endParaRPr lang="en-US"/>
           </a:p>
@@ -1972,7 +1998,7 @@
           <a:p>
             <a:fld id="{DC4C5412-FA81-4E63-8A72-237CF1BF03B2}" type="datetimeFigureOut">
               <a:rPr lang="en-US" smtClean="0"/>
-              <a:t>3/8/2024</a:t>
+              <a:t>3/10/2024</a:t>
             </a:fld>
             <a:endParaRPr lang="en-US"/>
           </a:p>
@@ -2180,7 +2206,7 @@
           <a:p>
             <a:fld id="{DC4C5412-FA81-4E63-8A72-237CF1BF03B2}" type="datetimeFigureOut">
               <a:rPr lang="en-US" smtClean="0"/>
-              <a:t>3/8/2024</a:t>
+              <a:t>3/10/2024</a:t>
             </a:fld>
             <a:endParaRPr lang="en-US"/>
           </a:p>
@@ -2378,7 +2404,7 @@
           <a:p>
             <a:fld id="{DC4C5412-FA81-4E63-8A72-237CF1BF03B2}" type="datetimeFigureOut">
               <a:rPr lang="en-US" smtClean="0"/>
-              <a:t>3/8/2024</a:t>
+              <a:t>3/10/2024</a:t>
             </a:fld>
             <a:endParaRPr lang="en-US"/>
           </a:p>
@@ -2653,7 +2679,7 @@
           <a:p>
             <a:fld id="{DC4C5412-FA81-4E63-8A72-237CF1BF03B2}" type="datetimeFigureOut">
               <a:rPr lang="en-US" smtClean="0"/>
-              <a:t>3/8/2024</a:t>
+              <a:t>3/10/2024</a:t>
             </a:fld>
             <a:endParaRPr lang="en-US"/>
           </a:p>
@@ -2918,7 +2944,7 @@
           <a:p>
             <a:fld id="{DC4C5412-FA81-4E63-8A72-237CF1BF03B2}" type="datetimeFigureOut">
               <a:rPr lang="en-US" smtClean="0"/>
-              <a:t>3/8/2024</a:t>
+              <a:t>3/10/2024</a:t>
             </a:fld>
             <a:endParaRPr lang="en-US"/>
           </a:p>
@@ -3330,7 +3356,7 @@
           <a:p>
             <a:fld id="{DC4C5412-FA81-4E63-8A72-237CF1BF03B2}" type="datetimeFigureOut">
               <a:rPr lang="en-US" smtClean="0"/>
-              <a:t>3/8/2024</a:t>
+              <a:t>3/10/2024</a:t>
             </a:fld>
             <a:endParaRPr lang="en-US"/>
           </a:p>
@@ -3471,7 +3497,7 @@
           <a:p>
             <a:fld id="{DC4C5412-FA81-4E63-8A72-237CF1BF03B2}" type="datetimeFigureOut">
               <a:rPr lang="en-US" smtClean="0"/>
-              <a:t>3/8/2024</a:t>
+              <a:t>3/10/2024</a:t>
             </a:fld>
             <a:endParaRPr lang="en-US"/>
           </a:p>
@@ -3584,7 +3610,7 @@
           <a:p>
             <a:fld id="{DC4C5412-FA81-4E63-8A72-237CF1BF03B2}" type="datetimeFigureOut">
               <a:rPr lang="en-US" smtClean="0"/>
-              <a:t>3/8/2024</a:t>
+              <a:t>3/10/2024</a:t>
             </a:fld>
             <a:endParaRPr lang="en-US"/>
           </a:p>
@@ -3895,7 +3921,7 @@
           <a:p>
             <a:fld id="{DC4C5412-FA81-4E63-8A72-237CF1BF03B2}" type="datetimeFigureOut">
               <a:rPr lang="en-US" smtClean="0"/>
-              <a:t>3/8/2024</a:t>
+              <a:t>3/10/2024</a:t>
             </a:fld>
             <a:endParaRPr lang="en-US"/>
           </a:p>
@@ -4183,7 +4209,7 @@
           <a:p>
             <a:fld id="{DC4C5412-FA81-4E63-8A72-237CF1BF03B2}" type="datetimeFigureOut">
               <a:rPr lang="en-US" smtClean="0"/>
-              <a:t>3/8/2024</a:t>
+              <a:t>3/10/2024</a:t>
             </a:fld>
             <a:endParaRPr lang="en-US"/>
           </a:p>
@@ -4424,7 +4450,7 @@
           <a:p>
             <a:fld id="{DC4C5412-FA81-4E63-8A72-237CF1BF03B2}" type="datetimeFigureOut">
               <a:rPr lang="en-US" smtClean="0"/>
-              <a:t>3/8/2024</a:t>
+              <a:t>3/10/2024</a:t>
             </a:fld>
             <a:endParaRPr lang="en-US"/>
           </a:p>
